--- a/Documentación/DER.pptx
+++ b/Documentación/DER.pptx
@@ -105,6 +105,11 @@
       </a:defRPr>
     </a:lvl9pPr>
   </p:defaultTextStyle>
+  <p:extLst>
+    <p:ext uri="{EFAFB233-063F-42B5-8137-9DF3F51BA10A}">
+      <p15:sldGuideLst xmlns:p15="http://schemas.microsoft.com/office/powerpoint/2012/main"/>
+    </p:ext>
+  </p:extLst>
 </p:presentation>
 </file>
 
@@ -239,7 +244,7 @@
           <a:p>
             <a:fld id="{C8DD2A8F-3CEE-4FE9-8108-2C718AF80346}" type="datetimeFigureOut">
               <a:rPr lang="es-AR" smtClean="0"/>
-              <a:t>08/05/2014</a:t>
+              <a:t>20/05/2014</a:t>
             </a:fld>
             <a:endParaRPr lang="es-AR"/>
           </a:p>
@@ -409,7 +414,7 @@
           <a:p>
             <a:fld id="{C8DD2A8F-3CEE-4FE9-8108-2C718AF80346}" type="datetimeFigureOut">
               <a:rPr lang="es-AR" smtClean="0"/>
-              <a:t>08/05/2014</a:t>
+              <a:t>20/05/2014</a:t>
             </a:fld>
             <a:endParaRPr lang="es-AR"/>
           </a:p>
@@ -589,7 +594,7 @@
           <a:p>
             <a:fld id="{C8DD2A8F-3CEE-4FE9-8108-2C718AF80346}" type="datetimeFigureOut">
               <a:rPr lang="es-AR" smtClean="0"/>
-              <a:t>08/05/2014</a:t>
+              <a:t>20/05/2014</a:t>
             </a:fld>
             <a:endParaRPr lang="es-AR"/>
           </a:p>
@@ -759,7 +764,7 @@
           <a:p>
             <a:fld id="{C8DD2A8F-3CEE-4FE9-8108-2C718AF80346}" type="datetimeFigureOut">
               <a:rPr lang="es-AR" smtClean="0"/>
-              <a:t>08/05/2014</a:t>
+              <a:t>20/05/2014</a:t>
             </a:fld>
             <a:endParaRPr lang="es-AR"/>
           </a:p>
@@ -1005,7 +1010,7 @@
           <a:p>
             <a:fld id="{C8DD2A8F-3CEE-4FE9-8108-2C718AF80346}" type="datetimeFigureOut">
               <a:rPr lang="es-AR" smtClean="0"/>
-              <a:t>08/05/2014</a:t>
+              <a:t>20/05/2014</a:t>
             </a:fld>
             <a:endParaRPr lang="es-AR"/>
           </a:p>
@@ -1237,7 +1242,7 @@
           <a:p>
             <a:fld id="{C8DD2A8F-3CEE-4FE9-8108-2C718AF80346}" type="datetimeFigureOut">
               <a:rPr lang="es-AR" smtClean="0"/>
-              <a:t>08/05/2014</a:t>
+              <a:t>20/05/2014</a:t>
             </a:fld>
             <a:endParaRPr lang="es-AR"/>
           </a:p>
@@ -1604,7 +1609,7 @@
           <a:p>
             <a:fld id="{C8DD2A8F-3CEE-4FE9-8108-2C718AF80346}" type="datetimeFigureOut">
               <a:rPr lang="es-AR" smtClean="0"/>
-              <a:t>08/05/2014</a:t>
+              <a:t>20/05/2014</a:t>
             </a:fld>
             <a:endParaRPr lang="es-AR"/>
           </a:p>
@@ -1722,7 +1727,7 @@
           <a:p>
             <a:fld id="{C8DD2A8F-3CEE-4FE9-8108-2C718AF80346}" type="datetimeFigureOut">
               <a:rPr lang="es-AR" smtClean="0"/>
-              <a:t>08/05/2014</a:t>
+              <a:t>20/05/2014</a:t>
             </a:fld>
             <a:endParaRPr lang="es-AR"/>
           </a:p>
@@ -1817,7 +1822,7 @@
           <a:p>
             <a:fld id="{C8DD2A8F-3CEE-4FE9-8108-2C718AF80346}" type="datetimeFigureOut">
               <a:rPr lang="es-AR" smtClean="0"/>
-              <a:t>08/05/2014</a:t>
+              <a:t>20/05/2014</a:t>
             </a:fld>
             <a:endParaRPr lang="es-AR"/>
           </a:p>
@@ -2094,7 +2099,7 @@
           <a:p>
             <a:fld id="{C8DD2A8F-3CEE-4FE9-8108-2C718AF80346}" type="datetimeFigureOut">
               <a:rPr lang="es-AR" smtClean="0"/>
-              <a:t>08/05/2014</a:t>
+              <a:t>20/05/2014</a:t>
             </a:fld>
             <a:endParaRPr lang="es-AR"/>
           </a:p>
@@ -2347,7 +2352,7 @@
           <a:p>
             <a:fld id="{C8DD2A8F-3CEE-4FE9-8108-2C718AF80346}" type="datetimeFigureOut">
               <a:rPr lang="es-AR" smtClean="0"/>
-              <a:t>08/05/2014</a:t>
+              <a:t>20/05/2014</a:t>
             </a:fld>
             <a:endParaRPr lang="es-AR"/>
           </a:p>
@@ -2560,7 +2565,7 @@
           <a:p>
             <a:fld id="{C8DD2A8F-3CEE-4FE9-8108-2C718AF80346}" type="datetimeFigureOut">
               <a:rPr lang="es-AR" smtClean="0"/>
-              <a:t>08/05/2014</a:t>
+              <a:t>20/05/2014</a:t>
             </a:fld>
             <a:endParaRPr lang="es-AR"/>
           </a:p>
@@ -4043,7 +4048,7 @@
         </p:nvSpPr>
         <p:spPr>
           <a:xfrm>
-            <a:off x="5657046" y="5025982"/>
+            <a:off x="3322749" y="4713667"/>
             <a:ext cx="2550017" cy="528034"/>
           </a:xfrm>
           <a:prstGeom prst="rect">
@@ -4089,9 +4094,9 @@
           <p:nvPr/>
         </p:nvCxnSpPr>
         <p:spPr>
-          <a:xfrm>
-            <a:off x="5605531" y="3825026"/>
-            <a:ext cx="1326524" cy="1200956"/>
+          <a:xfrm flipH="1">
+            <a:off x="4597758" y="3825026"/>
+            <a:ext cx="1007773" cy="888641"/>
           </a:xfrm>
           <a:prstGeom prst="line">
             <a:avLst/>
@@ -4150,7 +4155,7 @@
         </p:nvSpPr>
         <p:spPr>
           <a:xfrm>
-            <a:off x="4945487" y="4040690"/>
+            <a:off x="5180528" y="4127023"/>
             <a:ext cx="837127" cy="369332"/>
           </a:xfrm>
           <a:prstGeom prst="rect">
@@ -4180,7 +4185,7 @@
         </p:nvSpPr>
         <p:spPr>
           <a:xfrm>
-            <a:off x="9240594" y="4804156"/>
+            <a:off x="3902301" y="6282653"/>
             <a:ext cx="1068946" cy="372816"/>
           </a:xfrm>
           <a:prstGeom prst="rect">
@@ -4210,7 +4215,7 @@
         </p:nvSpPr>
         <p:spPr>
           <a:xfrm>
-            <a:off x="8896082" y="4062611"/>
+            <a:off x="6013632" y="6267882"/>
             <a:ext cx="746975" cy="369332"/>
           </a:xfrm>
           <a:prstGeom prst="rect">
@@ -4240,7 +4245,7 @@
         </p:nvSpPr>
         <p:spPr>
           <a:xfrm>
-            <a:off x="9140785" y="4431943"/>
+            <a:off x="6684137" y="5830000"/>
             <a:ext cx="811369" cy="369332"/>
           </a:xfrm>
           <a:prstGeom prst="rect">
@@ -4270,7 +4275,7 @@
         </p:nvSpPr>
         <p:spPr>
           <a:xfrm>
-            <a:off x="7714448" y="6400800"/>
+            <a:off x="1996225" y="5913321"/>
             <a:ext cx="1004553" cy="369332"/>
           </a:xfrm>
           <a:prstGeom prst="rect">
@@ -4300,7 +4305,7 @@
         </p:nvSpPr>
         <p:spPr>
           <a:xfrm>
-            <a:off x="8786611" y="5972449"/>
+            <a:off x="2599924" y="6282653"/>
             <a:ext cx="965916" cy="369332"/>
           </a:xfrm>
           <a:prstGeom prst="rect">
@@ -4330,7 +4335,7 @@
         </p:nvSpPr>
         <p:spPr>
           <a:xfrm>
-            <a:off x="9387086" y="5241701"/>
+            <a:off x="5003442" y="6288101"/>
             <a:ext cx="1056067" cy="369332"/>
           </a:xfrm>
           <a:prstGeom prst="rect">
@@ -4354,255 +4359,13 @@
       </p:sp>
       <p:sp>
         <p:nvSpPr>
-          <p:cNvPr id="65" name="CuadroTexto 64"/>
-          <p:cNvSpPr txBox="1"/>
-          <p:nvPr/>
-        </p:nvSpPr>
-        <p:spPr>
-          <a:xfrm>
-            <a:off x="9361328" y="5675762"/>
-            <a:ext cx="1081825" cy="383166"/>
-          </a:xfrm>
-          <a:prstGeom prst="rect">
-            <a:avLst/>
-          </a:prstGeom>
-          <a:noFill/>
-        </p:spPr>
-        <p:txBody>
-          <a:bodyPr wrap="square" rtlCol="0">
-            <a:spAutoFit/>
-          </a:bodyPr>
-          <a:lstStyle/>
-          <a:p>
-            <a:r>
-              <a:rPr lang="es-AR" dirty="0" smtClean="0"/>
-              <a:t>Etiqueta</a:t>
-            </a:r>
-            <a:endParaRPr lang="es-AR" dirty="0"/>
-          </a:p>
-        </p:txBody>
-      </p:sp>
-      <p:cxnSp>
-        <p:nvCxnSpPr>
-          <p:cNvPr id="68" name="Conector recto 67"/>
-          <p:cNvCxnSpPr/>
-          <p:nvPr/>
-        </p:nvCxnSpPr>
-        <p:spPr>
-          <a:xfrm flipV="1">
-            <a:off x="8216725" y="4425504"/>
-            <a:ext cx="695455" cy="600478"/>
-          </a:xfrm>
-          <a:prstGeom prst="line">
-            <a:avLst/>
-          </a:prstGeom>
-        </p:spPr>
-        <p:style>
-          <a:lnRef idx="1">
-            <a:schemeClr val="accent1"/>
-          </a:lnRef>
-          <a:fillRef idx="0">
-            <a:schemeClr val="accent1"/>
-          </a:fillRef>
-          <a:effectRef idx="0">
-            <a:schemeClr val="accent1"/>
-          </a:effectRef>
-          <a:fontRef idx="minor">
-            <a:schemeClr val="tx1"/>
-          </a:fontRef>
-        </p:style>
-      </p:cxnSp>
-      <p:cxnSp>
-        <p:nvCxnSpPr>
-          <p:cNvPr id="70" name="Conector recto 69"/>
-          <p:cNvCxnSpPr/>
-          <p:nvPr/>
-        </p:nvCxnSpPr>
-        <p:spPr>
-          <a:xfrm flipV="1">
-            <a:off x="8216725" y="4742646"/>
-            <a:ext cx="914398" cy="415343"/>
-          </a:xfrm>
-          <a:prstGeom prst="line">
-            <a:avLst/>
-          </a:prstGeom>
-        </p:spPr>
-        <p:style>
-          <a:lnRef idx="1">
-            <a:schemeClr val="accent1"/>
-          </a:lnRef>
-          <a:fillRef idx="0">
-            <a:schemeClr val="accent1"/>
-          </a:fillRef>
-          <a:effectRef idx="0">
-            <a:schemeClr val="accent1"/>
-          </a:effectRef>
-          <a:fontRef idx="minor">
-            <a:schemeClr val="tx1"/>
-          </a:fontRef>
-        </p:style>
-      </p:cxnSp>
-      <p:cxnSp>
-        <p:nvCxnSpPr>
-          <p:cNvPr id="72" name="Conector recto 71"/>
-          <p:cNvCxnSpPr>
-            <a:stCxn id="54" idx="3"/>
-          </p:cNvCxnSpPr>
-          <p:nvPr/>
-        </p:nvCxnSpPr>
-        <p:spPr>
-          <a:xfrm flipV="1">
-            <a:off x="8207063" y="5025982"/>
-            <a:ext cx="1062506" cy="264017"/>
-          </a:xfrm>
-          <a:prstGeom prst="line">
-            <a:avLst/>
-          </a:prstGeom>
-        </p:spPr>
-        <p:style>
-          <a:lnRef idx="1">
-            <a:schemeClr val="accent1"/>
-          </a:lnRef>
-          <a:fillRef idx="0">
-            <a:schemeClr val="accent1"/>
-          </a:fillRef>
-          <a:effectRef idx="0">
-            <a:schemeClr val="accent1"/>
-          </a:effectRef>
-          <a:fontRef idx="minor">
-            <a:schemeClr val="tx1"/>
-          </a:fontRef>
-        </p:style>
-      </p:cxnSp>
-      <p:cxnSp>
-        <p:nvCxnSpPr>
-          <p:cNvPr id="74" name="Conector recto 73"/>
-          <p:cNvCxnSpPr/>
-          <p:nvPr/>
-        </p:nvCxnSpPr>
-        <p:spPr>
-          <a:xfrm>
-            <a:off x="8207063" y="5426367"/>
-            <a:ext cx="1062506" cy="0"/>
-          </a:xfrm>
-          <a:prstGeom prst="line">
-            <a:avLst/>
-          </a:prstGeom>
-        </p:spPr>
-        <p:style>
-          <a:lnRef idx="1">
-            <a:schemeClr val="accent1"/>
-          </a:lnRef>
-          <a:fillRef idx="0">
-            <a:schemeClr val="accent1"/>
-          </a:fillRef>
-          <a:effectRef idx="0">
-            <a:schemeClr val="accent1"/>
-          </a:effectRef>
-          <a:fontRef idx="minor">
-            <a:schemeClr val="tx1"/>
-          </a:fontRef>
-        </p:style>
-      </p:cxnSp>
-      <p:cxnSp>
-        <p:nvCxnSpPr>
-          <p:cNvPr id="76" name="Conector recto 75"/>
-          <p:cNvCxnSpPr/>
-          <p:nvPr/>
-        </p:nvCxnSpPr>
-        <p:spPr>
-          <a:xfrm>
-            <a:off x="8216725" y="5554016"/>
-            <a:ext cx="1200952" cy="318750"/>
-          </a:xfrm>
-          <a:prstGeom prst="line">
-            <a:avLst/>
-          </a:prstGeom>
-        </p:spPr>
-        <p:style>
-          <a:lnRef idx="1">
-            <a:schemeClr val="accent1"/>
-          </a:lnRef>
-          <a:fillRef idx="0">
-            <a:schemeClr val="accent1"/>
-          </a:fillRef>
-          <a:effectRef idx="0">
-            <a:schemeClr val="accent1"/>
-          </a:effectRef>
-          <a:fontRef idx="minor">
-            <a:schemeClr val="tx1"/>
-          </a:fontRef>
-        </p:style>
-      </p:cxnSp>
-      <p:cxnSp>
-        <p:nvCxnSpPr>
-          <p:cNvPr id="78" name="Conector recto 77"/>
-          <p:cNvCxnSpPr/>
-          <p:nvPr/>
-        </p:nvCxnSpPr>
-        <p:spPr>
-          <a:xfrm>
-            <a:off x="7946265" y="5554016"/>
-            <a:ext cx="792051" cy="504912"/>
-          </a:xfrm>
-          <a:prstGeom prst="line">
-            <a:avLst/>
-          </a:prstGeom>
-        </p:spPr>
-        <p:style>
-          <a:lnRef idx="1">
-            <a:schemeClr val="accent1"/>
-          </a:lnRef>
-          <a:fillRef idx="0">
-            <a:schemeClr val="accent1"/>
-          </a:fillRef>
-          <a:effectRef idx="0">
-            <a:schemeClr val="accent1"/>
-          </a:effectRef>
-          <a:fontRef idx="minor">
-            <a:schemeClr val="tx1"/>
-          </a:fontRef>
-        </p:style>
-      </p:cxnSp>
-      <p:cxnSp>
-        <p:nvCxnSpPr>
-          <p:cNvPr id="80" name="Conector recto 79"/>
-          <p:cNvCxnSpPr/>
-          <p:nvPr/>
-        </p:nvCxnSpPr>
-        <p:spPr>
-          <a:xfrm>
-            <a:off x="7733765" y="5554016"/>
-            <a:ext cx="212500" cy="787765"/>
-          </a:xfrm>
-          <a:prstGeom prst="line">
-            <a:avLst/>
-          </a:prstGeom>
-        </p:spPr>
-        <p:style>
-          <a:lnRef idx="1">
-            <a:schemeClr val="accent1"/>
-          </a:lnRef>
-          <a:fillRef idx="0">
-            <a:schemeClr val="accent1"/>
-          </a:fillRef>
-          <a:effectRef idx="0">
-            <a:schemeClr val="accent1"/>
-          </a:effectRef>
-          <a:fontRef idx="minor">
-            <a:schemeClr val="tx1"/>
-          </a:fontRef>
-        </p:style>
-      </p:cxnSp>
-      <p:sp>
-        <p:nvSpPr>
           <p:cNvPr id="81" name="Rectángulo 80"/>
           <p:cNvSpPr/>
           <p:nvPr/>
         </p:nvSpPr>
         <p:spPr>
           <a:xfrm>
-            <a:off x="257577" y="4356278"/>
+            <a:off x="167422" y="2873753"/>
             <a:ext cx="2086379" cy="594039"/>
           </a:xfrm>
           <a:prstGeom prst="rect">
@@ -4646,7 +4409,7 @@
         </p:nvSpPr>
         <p:spPr>
           <a:xfrm>
-            <a:off x="3015269" y="5132231"/>
+            <a:off x="415342" y="4410022"/>
             <a:ext cx="1461754" cy="798491"/>
           </a:xfrm>
           <a:prstGeom prst="flowChartDecision">
@@ -4682,69 +4445,6 @@
           </a:p>
         </p:txBody>
       </p:sp>
-      <p:cxnSp>
-        <p:nvCxnSpPr>
-          <p:cNvPr id="84" name="Conector recto 83"/>
-          <p:cNvCxnSpPr/>
-          <p:nvPr/>
-        </p:nvCxnSpPr>
-        <p:spPr>
-          <a:xfrm>
-            <a:off x="2343956" y="4950317"/>
-            <a:ext cx="837126" cy="476050"/>
-          </a:xfrm>
-          <a:prstGeom prst="line">
-            <a:avLst/>
-          </a:prstGeom>
-        </p:spPr>
-        <p:style>
-          <a:lnRef idx="1">
-            <a:schemeClr val="accent1"/>
-          </a:lnRef>
-          <a:fillRef idx="0">
-            <a:schemeClr val="accent1"/>
-          </a:fillRef>
-          <a:effectRef idx="0">
-            <a:schemeClr val="accent1"/>
-          </a:effectRef>
-          <a:fontRef idx="minor">
-            <a:schemeClr val="tx1"/>
-          </a:fontRef>
-        </p:style>
-      </p:cxnSp>
-      <p:cxnSp>
-        <p:nvCxnSpPr>
-          <p:cNvPr id="86" name="Conector recto 85"/>
-          <p:cNvCxnSpPr>
-            <a:stCxn id="82" idx="3"/>
-            <a:endCxn id="54" idx="1"/>
-          </p:cNvCxnSpPr>
-          <p:nvPr/>
-        </p:nvCxnSpPr>
-        <p:spPr>
-          <a:xfrm flipV="1">
-            <a:off x="4477023" y="5289999"/>
-            <a:ext cx="1180023" cy="241478"/>
-          </a:xfrm>
-          <a:prstGeom prst="line">
-            <a:avLst/>
-          </a:prstGeom>
-        </p:spPr>
-        <p:style>
-          <a:lnRef idx="1">
-            <a:schemeClr val="accent1"/>
-          </a:lnRef>
-          <a:fillRef idx="0">
-            <a:schemeClr val="accent1"/>
-          </a:fillRef>
-          <a:effectRef idx="0">
-            <a:schemeClr val="accent1"/>
-          </a:effectRef>
-          <a:fontRef idx="minor">
-            <a:schemeClr val="tx1"/>
-          </a:fontRef>
-        </p:style>
-      </p:cxnSp>
       <p:sp>
         <p:nvSpPr>
           <p:cNvPr id="87" name="CuadroTexto 86"/>
@@ -4753,7 +4453,7 @@
         </p:nvSpPr>
         <p:spPr>
           <a:xfrm>
-            <a:off x="135226" y="3463556"/>
+            <a:off x="193184" y="2007285"/>
             <a:ext cx="1545466" cy="369332"/>
           </a:xfrm>
           <a:prstGeom prst="rect">
@@ -4783,7 +4483,7 @@
         </p:nvSpPr>
         <p:spPr>
           <a:xfrm>
-            <a:off x="1178416" y="3413367"/>
+            <a:off x="1281448" y="2007285"/>
             <a:ext cx="1429555" cy="369332"/>
           </a:xfrm>
           <a:prstGeom prst="rect">
@@ -4813,7 +4513,7 @@
         </p:nvCxnSpPr>
         <p:spPr>
           <a:xfrm flipV="1">
-            <a:off x="412124" y="3842190"/>
+            <a:off x="566671" y="2359665"/>
             <a:ext cx="12879" cy="514088"/>
           </a:xfrm>
           <a:prstGeom prst="line">
@@ -4843,7 +4543,7 @@
         </p:nvCxnSpPr>
         <p:spPr>
           <a:xfrm flipV="1">
-            <a:off x="1893194" y="3842190"/>
+            <a:off x="1996225" y="2376151"/>
             <a:ext cx="0" cy="514088"/>
           </a:xfrm>
           <a:prstGeom prst="line">
@@ -4873,7 +4573,7 @@
         </p:nvSpPr>
         <p:spPr>
           <a:xfrm>
-            <a:off x="2607971" y="4841316"/>
+            <a:off x="1336185" y="3731840"/>
             <a:ext cx="985234" cy="369332"/>
           </a:xfrm>
           <a:prstGeom prst="rect">
@@ -4903,7 +4603,7 @@
         </p:nvSpPr>
         <p:spPr>
           <a:xfrm>
-            <a:off x="4661355" y="5003676"/>
+            <a:off x="2359247" y="4439935"/>
             <a:ext cx="849199" cy="369332"/>
           </a:xfrm>
           <a:prstGeom prst="rect">
@@ -4919,7 +4619,600 @@
           <a:p>
             <a:r>
               <a:rPr lang="es-AR" dirty="0" smtClean="0"/>
-              <a:t>(1,1)</a:t>
+              <a:t>(</a:t>
+            </a:r>
+            <a:r>
+              <a:rPr lang="es-AR" dirty="0" smtClean="0"/>
+              <a:t>1,N)</a:t>
+            </a:r>
+            <a:endParaRPr lang="es-AR" dirty="0"/>
+          </a:p>
+        </p:txBody>
+      </p:sp>
+      <p:cxnSp>
+        <p:nvCxnSpPr>
+          <p:cNvPr id="6" name="Conector recto 5"/>
+          <p:cNvCxnSpPr>
+            <a:endCxn id="82" idx="3"/>
+          </p:cNvCxnSpPr>
+          <p:nvPr/>
+        </p:nvCxnSpPr>
+        <p:spPr>
+          <a:xfrm flipH="1">
+            <a:off x="1877096" y="4809267"/>
+            <a:ext cx="1445653" cy="1"/>
+          </a:xfrm>
+          <a:prstGeom prst="line">
+            <a:avLst/>
+          </a:prstGeom>
+        </p:spPr>
+        <p:style>
+          <a:lnRef idx="1">
+            <a:schemeClr val="accent1"/>
+          </a:lnRef>
+          <a:fillRef idx="0">
+            <a:schemeClr val="accent1"/>
+          </a:fillRef>
+          <a:effectRef idx="0">
+            <a:schemeClr val="accent1"/>
+          </a:effectRef>
+          <a:fontRef idx="minor">
+            <a:schemeClr val="tx1"/>
+          </a:fontRef>
+        </p:style>
+      </p:cxnSp>
+      <p:cxnSp>
+        <p:nvCxnSpPr>
+          <p:cNvPr id="9" name="Conector recto 8"/>
+          <p:cNvCxnSpPr>
+            <a:stCxn id="82" idx="0"/>
+            <a:endCxn id="81" idx="2"/>
+          </p:cNvCxnSpPr>
+          <p:nvPr/>
+        </p:nvCxnSpPr>
+        <p:spPr>
+          <a:xfrm flipV="1">
+            <a:off x="1146219" y="3467792"/>
+            <a:ext cx="64393" cy="942230"/>
+          </a:xfrm>
+          <a:prstGeom prst="line">
+            <a:avLst/>
+          </a:prstGeom>
+        </p:spPr>
+        <p:style>
+          <a:lnRef idx="1">
+            <a:schemeClr val="accent1"/>
+          </a:lnRef>
+          <a:fillRef idx="0">
+            <a:schemeClr val="accent1"/>
+          </a:fillRef>
+          <a:effectRef idx="0">
+            <a:schemeClr val="accent1"/>
+          </a:effectRef>
+          <a:fontRef idx="minor">
+            <a:schemeClr val="tx1"/>
+          </a:fontRef>
+        </p:style>
+      </p:cxnSp>
+      <p:cxnSp>
+        <p:nvCxnSpPr>
+          <p:cNvPr id="14" name="Conector recto 13"/>
+          <p:cNvCxnSpPr>
+            <a:endCxn id="62" idx="0"/>
+          </p:cNvCxnSpPr>
+          <p:nvPr/>
+        </p:nvCxnSpPr>
+        <p:spPr>
+          <a:xfrm flipH="1">
+            <a:off x="2498502" y="5241701"/>
+            <a:ext cx="1067338" cy="671620"/>
+          </a:xfrm>
+          <a:prstGeom prst="line">
+            <a:avLst/>
+          </a:prstGeom>
+        </p:spPr>
+        <p:style>
+          <a:lnRef idx="1">
+            <a:schemeClr val="accent1"/>
+          </a:lnRef>
+          <a:fillRef idx="0">
+            <a:schemeClr val="accent1"/>
+          </a:fillRef>
+          <a:effectRef idx="0">
+            <a:schemeClr val="accent1"/>
+          </a:effectRef>
+          <a:fontRef idx="minor">
+            <a:schemeClr val="tx1"/>
+          </a:fontRef>
+        </p:style>
+      </p:cxnSp>
+      <p:cxnSp>
+        <p:nvCxnSpPr>
+          <p:cNvPr id="22" name="Conector recto 21"/>
+          <p:cNvCxnSpPr>
+            <a:endCxn id="63" idx="0"/>
+          </p:cNvCxnSpPr>
+          <p:nvPr/>
+        </p:nvCxnSpPr>
+        <p:spPr>
+          <a:xfrm flipH="1">
+            <a:off x="3082882" y="5241701"/>
+            <a:ext cx="703508" cy="1040952"/>
+          </a:xfrm>
+          <a:prstGeom prst="line">
+            <a:avLst/>
+          </a:prstGeom>
+        </p:spPr>
+        <p:style>
+          <a:lnRef idx="1">
+            <a:schemeClr val="accent1"/>
+          </a:lnRef>
+          <a:fillRef idx="0">
+            <a:schemeClr val="accent1"/>
+          </a:fillRef>
+          <a:effectRef idx="0">
+            <a:schemeClr val="accent1"/>
+          </a:effectRef>
+          <a:fontRef idx="minor">
+            <a:schemeClr val="tx1"/>
+          </a:fontRef>
+        </p:style>
+      </p:cxnSp>
+      <p:cxnSp>
+        <p:nvCxnSpPr>
+          <p:cNvPr id="26" name="Conector recto 25"/>
+          <p:cNvCxnSpPr/>
+          <p:nvPr/>
+        </p:nvCxnSpPr>
+        <p:spPr>
+          <a:xfrm>
+            <a:off x="4169539" y="5241701"/>
+            <a:ext cx="70026" cy="1026181"/>
+          </a:xfrm>
+          <a:prstGeom prst="line">
+            <a:avLst/>
+          </a:prstGeom>
+        </p:spPr>
+        <p:style>
+          <a:lnRef idx="1">
+            <a:schemeClr val="accent1"/>
+          </a:lnRef>
+          <a:fillRef idx="0">
+            <a:schemeClr val="accent1"/>
+          </a:fillRef>
+          <a:effectRef idx="0">
+            <a:schemeClr val="accent1"/>
+          </a:effectRef>
+          <a:fontRef idx="minor">
+            <a:schemeClr val="tx1"/>
+          </a:fontRef>
+        </p:style>
+      </p:cxnSp>
+      <p:cxnSp>
+        <p:nvCxnSpPr>
+          <p:cNvPr id="32" name="Conector recto 31"/>
+          <p:cNvCxnSpPr/>
+          <p:nvPr/>
+        </p:nvCxnSpPr>
+        <p:spPr>
+          <a:xfrm>
+            <a:off x="4855335" y="5241701"/>
+            <a:ext cx="346118" cy="1026181"/>
+          </a:xfrm>
+          <a:prstGeom prst="line">
+            <a:avLst/>
+          </a:prstGeom>
+        </p:spPr>
+        <p:style>
+          <a:lnRef idx="1">
+            <a:schemeClr val="accent1"/>
+          </a:lnRef>
+          <a:fillRef idx="0">
+            <a:schemeClr val="accent1"/>
+          </a:fillRef>
+          <a:effectRef idx="0">
+            <a:schemeClr val="accent1"/>
+          </a:effectRef>
+          <a:fontRef idx="minor">
+            <a:schemeClr val="tx1"/>
+          </a:fontRef>
+        </p:style>
+      </p:cxnSp>
+      <p:cxnSp>
+        <p:nvCxnSpPr>
+          <p:cNvPr id="37" name="Conector recto 36"/>
+          <p:cNvCxnSpPr/>
+          <p:nvPr/>
+        </p:nvCxnSpPr>
+        <p:spPr>
+          <a:xfrm>
+            <a:off x="5492840" y="5259036"/>
+            <a:ext cx="680168" cy="1008846"/>
+          </a:xfrm>
+          <a:prstGeom prst="line">
+            <a:avLst/>
+          </a:prstGeom>
+        </p:spPr>
+        <p:style>
+          <a:lnRef idx="1">
+            <a:schemeClr val="accent1"/>
+          </a:lnRef>
+          <a:fillRef idx="0">
+            <a:schemeClr val="accent1"/>
+          </a:fillRef>
+          <a:effectRef idx="0">
+            <a:schemeClr val="accent1"/>
+          </a:effectRef>
+          <a:fontRef idx="minor">
+            <a:schemeClr val="tx1"/>
+          </a:fontRef>
+        </p:style>
+      </p:cxnSp>
+      <p:cxnSp>
+        <p:nvCxnSpPr>
+          <p:cNvPr id="43" name="Conector recto 42"/>
+          <p:cNvCxnSpPr/>
+          <p:nvPr/>
+        </p:nvCxnSpPr>
+        <p:spPr>
+          <a:xfrm>
+            <a:off x="5832924" y="5241701"/>
+            <a:ext cx="921236" cy="588299"/>
+          </a:xfrm>
+          <a:prstGeom prst="line">
+            <a:avLst/>
+          </a:prstGeom>
+        </p:spPr>
+        <p:style>
+          <a:lnRef idx="1">
+            <a:schemeClr val="accent1"/>
+          </a:lnRef>
+          <a:fillRef idx="0">
+            <a:schemeClr val="accent1"/>
+          </a:fillRef>
+          <a:effectRef idx="0">
+            <a:schemeClr val="accent1"/>
+          </a:effectRef>
+          <a:fontRef idx="minor">
+            <a:schemeClr val="tx1"/>
+          </a:fontRef>
+        </p:style>
+      </p:cxnSp>
+      <p:sp>
+        <p:nvSpPr>
+          <p:cNvPr id="46" name="Rectángulo 45"/>
+          <p:cNvSpPr/>
+          <p:nvPr/>
+        </p:nvSpPr>
+        <p:spPr>
+          <a:xfrm>
+            <a:off x="9794383" y="4757751"/>
+            <a:ext cx="1844898" cy="449769"/>
+          </a:xfrm>
+          <a:prstGeom prst="rect">
+            <a:avLst/>
+          </a:prstGeom>
+        </p:spPr>
+        <p:style>
+          <a:lnRef idx="2">
+            <a:schemeClr val="accent1">
+              <a:shade val="50000"/>
+            </a:schemeClr>
+          </a:lnRef>
+          <a:fillRef idx="1">
+            <a:schemeClr val="accent1"/>
+          </a:fillRef>
+          <a:effectRef idx="0">
+            <a:schemeClr val="accent1"/>
+          </a:effectRef>
+          <a:fontRef idx="minor">
+            <a:schemeClr val="lt1"/>
+          </a:fontRef>
+        </p:style>
+        <p:txBody>
+          <a:bodyPr rtlCol="0" anchor="ctr"/>
+          <a:lstStyle/>
+          <a:p>
+            <a:pPr algn="ctr"/>
+            <a:r>
+              <a:rPr lang="es-AR" dirty="0" smtClean="0"/>
+              <a:t>Etiqueta</a:t>
+            </a:r>
+            <a:endParaRPr lang="es-AR" dirty="0"/>
+          </a:p>
+        </p:txBody>
+      </p:sp>
+      <p:sp>
+        <p:nvSpPr>
+          <p:cNvPr id="50" name="Decisión 49"/>
+          <p:cNvSpPr/>
+          <p:nvPr/>
+        </p:nvSpPr>
+        <p:spPr>
+          <a:xfrm>
+            <a:off x="7342567" y="4580504"/>
+            <a:ext cx="1458531" cy="822183"/>
+          </a:xfrm>
+          <a:prstGeom prst="flowChartDecision">
+            <a:avLst/>
+          </a:prstGeom>
+        </p:spPr>
+        <p:style>
+          <a:lnRef idx="2">
+            <a:schemeClr val="accent1">
+              <a:shade val="50000"/>
+            </a:schemeClr>
+          </a:lnRef>
+          <a:fillRef idx="1">
+            <a:schemeClr val="accent1"/>
+          </a:fillRef>
+          <a:effectRef idx="0">
+            <a:schemeClr val="accent1"/>
+          </a:effectRef>
+          <a:fontRef idx="minor">
+            <a:schemeClr val="lt1"/>
+          </a:fontRef>
+        </p:style>
+        <p:txBody>
+          <a:bodyPr rtlCol="0" anchor="ctr"/>
+          <a:lstStyle/>
+          <a:p>
+            <a:pPr algn="ctr"/>
+            <a:r>
+              <a:rPr lang="es-AR" dirty="0" smtClean="0"/>
+              <a:t>tiene</a:t>
+            </a:r>
+            <a:endParaRPr lang="es-AR" dirty="0"/>
+          </a:p>
+        </p:txBody>
+      </p:sp>
+      <p:cxnSp>
+        <p:nvCxnSpPr>
+          <p:cNvPr id="55" name="Conector recto 54"/>
+          <p:cNvCxnSpPr>
+            <a:stCxn id="54" idx="3"/>
+            <a:endCxn id="50" idx="1"/>
+          </p:cNvCxnSpPr>
+          <p:nvPr/>
+        </p:nvCxnSpPr>
+        <p:spPr>
+          <a:xfrm>
+            <a:off x="5872766" y="4977684"/>
+            <a:ext cx="1469801" cy="13912"/>
+          </a:xfrm>
+          <a:prstGeom prst="line">
+            <a:avLst/>
+          </a:prstGeom>
+        </p:spPr>
+        <p:style>
+          <a:lnRef idx="1">
+            <a:schemeClr val="accent1"/>
+          </a:lnRef>
+          <a:fillRef idx="0">
+            <a:schemeClr val="accent1"/>
+          </a:fillRef>
+          <a:effectRef idx="0">
+            <a:schemeClr val="accent1"/>
+          </a:effectRef>
+          <a:fontRef idx="minor">
+            <a:schemeClr val="tx1"/>
+          </a:fontRef>
+        </p:style>
+      </p:cxnSp>
+      <p:cxnSp>
+        <p:nvCxnSpPr>
+          <p:cNvPr id="67" name="Conector recto 66"/>
+          <p:cNvCxnSpPr>
+            <a:stCxn id="50" idx="3"/>
+            <a:endCxn id="46" idx="1"/>
+          </p:cNvCxnSpPr>
+          <p:nvPr/>
+        </p:nvCxnSpPr>
+        <p:spPr>
+          <a:xfrm flipV="1">
+            <a:off x="8801098" y="4982636"/>
+            <a:ext cx="993285" cy="8960"/>
+          </a:xfrm>
+          <a:prstGeom prst="line">
+            <a:avLst/>
+          </a:prstGeom>
+        </p:spPr>
+        <p:style>
+          <a:lnRef idx="1">
+            <a:schemeClr val="accent1"/>
+          </a:lnRef>
+          <a:fillRef idx="0">
+            <a:schemeClr val="accent1"/>
+          </a:fillRef>
+          <a:effectRef idx="0">
+            <a:schemeClr val="accent1"/>
+          </a:effectRef>
+          <a:fontRef idx="minor">
+            <a:schemeClr val="tx1"/>
+          </a:fontRef>
+        </p:style>
+      </p:cxnSp>
+      <p:sp>
+        <p:nvSpPr>
+          <p:cNvPr id="69" name="CuadroTexto 68"/>
+          <p:cNvSpPr txBox="1"/>
+          <p:nvPr/>
+        </p:nvSpPr>
+        <p:spPr>
+          <a:xfrm>
+            <a:off x="8912180" y="6142190"/>
+            <a:ext cx="1194517" cy="369332"/>
+          </a:xfrm>
+          <a:prstGeom prst="rect">
+            <a:avLst/>
+          </a:prstGeom>
+          <a:noFill/>
+        </p:spPr>
+        <p:txBody>
+          <a:bodyPr wrap="square" rtlCol="0">
+            <a:spAutoFit/>
+          </a:bodyPr>
+          <a:lstStyle/>
+          <a:p>
+            <a:r>
+              <a:rPr lang="es-AR" dirty="0"/>
+              <a:t>N</a:t>
+            </a:r>
+            <a:r>
+              <a:rPr lang="es-AR" dirty="0" smtClean="0"/>
+              <a:t>om.</a:t>
+            </a:r>
+            <a:endParaRPr lang="es-AR" dirty="0"/>
+          </a:p>
+        </p:txBody>
+      </p:sp>
+      <p:sp>
+        <p:nvSpPr>
+          <p:cNvPr id="71" name="CuadroTexto 70"/>
+          <p:cNvSpPr txBox="1"/>
+          <p:nvPr/>
+        </p:nvSpPr>
+        <p:spPr>
+          <a:xfrm>
+            <a:off x="10407738" y="6142190"/>
+            <a:ext cx="1352282" cy="383843"/>
+          </a:xfrm>
+          <a:prstGeom prst="rect">
+            <a:avLst/>
+          </a:prstGeom>
+          <a:noFill/>
+        </p:spPr>
+        <p:txBody>
+          <a:bodyPr wrap="square" rtlCol="0">
+            <a:spAutoFit/>
+          </a:bodyPr>
+          <a:lstStyle/>
+          <a:p>
+            <a:r>
+              <a:rPr lang="es-AR" dirty="0" smtClean="0"/>
+              <a:t>Descrip.</a:t>
+            </a:r>
+            <a:endParaRPr lang="es-AR" dirty="0"/>
+          </a:p>
+        </p:txBody>
+      </p:sp>
+      <p:cxnSp>
+        <p:nvCxnSpPr>
+          <p:cNvPr id="75" name="Conector recto 74"/>
+          <p:cNvCxnSpPr>
+            <a:endCxn id="69" idx="0"/>
+          </p:cNvCxnSpPr>
+          <p:nvPr/>
+        </p:nvCxnSpPr>
+        <p:spPr>
+          <a:xfrm flipH="1">
+            <a:off x="9509439" y="5207520"/>
+            <a:ext cx="716387" cy="934670"/>
+          </a:xfrm>
+          <a:prstGeom prst="line">
+            <a:avLst/>
+          </a:prstGeom>
+        </p:spPr>
+        <p:style>
+          <a:lnRef idx="1">
+            <a:schemeClr val="accent1"/>
+          </a:lnRef>
+          <a:fillRef idx="0">
+            <a:schemeClr val="accent1"/>
+          </a:fillRef>
+          <a:effectRef idx="0">
+            <a:schemeClr val="accent1"/>
+          </a:effectRef>
+          <a:fontRef idx="minor">
+            <a:schemeClr val="tx1"/>
+          </a:fontRef>
+        </p:style>
+      </p:cxnSp>
+      <p:cxnSp>
+        <p:nvCxnSpPr>
+          <p:cNvPr id="79" name="Conector recto 78"/>
+          <p:cNvCxnSpPr/>
+          <p:nvPr/>
+        </p:nvCxnSpPr>
+        <p:spPr>
+          <a:xfrm>
+            <a:off x="10952671" y="5216481"/>
+            <a:ext cx="0" cy="881506"/>
+          </a:xfrm>
+          <a:prstGeom prst="line">
+            <a:avLst/>
+          </a:prstGeom>
+        </p:spPr>
+        <p:style>
+          <a:lnRef idx="1">
+            <a:schemeClr val="accent1"/>
+          </a:lnRef>
+          <a:fillRef idx="0">
+            <a:schemeClr val="accent1"/>
+          </a:fillRef>
+          <a:effectRef idx="0">
+            <a:schemeClr val="accent1"/>
+          </a:effectRef>
+          <a:fontRef idx="minor">
+            <a:schemeClr val="tx1"/>
+          </a:fontRef>
+        </p:style>
+      </p:cxnSp>
+      <p:sp>
+        <p:nvSpPr>
+          <p:cNvPr id="83" name="CuadroTexto 82"/>
+          <p:cNvSpPr txBox="1"/>
+          <p:nvPr/>
+        </p:nvSpPr>
+        <p:spPr>
+          <a:xfrm>
+            <a:off x="6387119" y="5150298"/>
+            <a:ext cx="669701" cy="369332"/>
+          </a:xfrm>
+          <a:prstGeom prst="rect">
+            <a:avLst/>
+          </a:prstGeom>
+          <a:noFill/>
+        </p:spPr>
+        <p:txBody>
+          <a:bodyPr wrap="square" rtlCol="0">
+            <a:spAutoFit/>
+          </a:bodyPr>
+          <a:lstStyle/>
+          <a:p>
+            <a:r>
+              <a:rPr lang="es-AR" dirty="0" smtClean="0"/>
+              <a:t>(1,N)</a:t>
+            </a:r>
+            <a:endParaRPr lang="es-AR" dirty="0"/>
+          </a:p>
+        </p:txBody>
+      </p:sp>
+      <p:sp>
+        <p:nvSpPr>
+          <p:cNvPr id="85" name="CuadroTexto 84"/>
+          <p:cNvSpPr txBox="1"/>
+          <p:nvPr/>
+        </p:nvSpPr>
+        <p:spPr>
+          <a:xfrm>
+            <a:off x="8851810" y="5248154"/>
+            <a:ext cx="666484" cy="369332"/>
+          </a:xfrm>
+          <a:prstGeom prst="rect">
+            <a:avLst/>
+          </a:prstGeom>
+          <a:noFill/>
+        </p:spPr>
+        <p:txBody>
+          <a:bodyPr wrap="square" rtlCol="0">
+            <a:spAutoFit/>
+          </a:bodyPr>
+          <a:lstStyle/>
+          <a:p>
+            <a:r>
+              <a:rPr lang="es-AR" dirty="0" smtClean="0"/>
+              <a:t>(1,N)</a:t>
             </a:r>
             <a:endParaRPr lang="es-AR" dirty="0"/>
           </a:p>

--- a/Documentación/DER.pptx
+++ b/Documentación/DER.pptx
@@ -244,7 +244,7 @@
           <a:p>
             <a:fld id="{C8DD2A8F-3CEE-4FE9-8108-2C718AF80346}" type="datetimeFigureOut">
               <a:rPr lang="es-AR" smtClean="0"/>
-              <a:t>20/05/2014</a:t>
+              <a:t>29/05/2014</a:t>
             </a:fld>
             <a:endParaRPr lang="es-AR"/>
           </a:p>
@@ -414,7 +414,7 @@
           <a:p>
             <a:fld id="{C8DD2A8F-3CEE-4FE9-8108-2C718AF80346}" type="datetimeFigureOut">
               <a:rPr lang="es-AR" smtClean="0"/>
-              <a:t>20/05/2014</a:t>
+              <a:t>29/05/2014</a:t>
             </a:fld>
             <a:endParaRPr lang="es-AR"/>
           </a:p>
@@ -594,7 +594,7 @@
           <a:p>
             <a:fld id="{C8DD2A8F-3CEE-4FE9-8108-2C718AF80346}" type="datetimeFigureOut">
               <a:rPr lang="es-AR" smtClean="0"/>
-              <a:t>20/05/2014</a:t>
+              <a:t>29/05/2014</a:t>
             </a:fld>
             <a:endParaRPr lang="es-AR"/>
           </a:p>
@@ -764,7 +764,7 @@
           <a:p>
             <a:fld id="{C8DD2A8F-3CEE-4FE9-8108-2C718AF80346}" type="datetimeFigureOut">
               <a:rPr lang="es-AR" smtClean="0"/>
-              <a:t>20/05/2014</a:t>
+              <a:t>29/05/2014</a:t>
             </a:fld>
             <a:endParaRPr lang="es-AR"/>
           </a:p>
@@ -1010,7 +1010,7 @@
           <a:p>
             <a:fld id="{C8DD2A8F-3CEE-4FE9-8108-2C718AF80346}" type="datetimeFigureOut">
               <a:rPr lang="es-AR" smtClean="0"/>
-              <a:t>20/05/2014</a:t>
+              <a:t>29/05/2014</a:t>
             </a:fld>
             <a:endParaRPr lang="es-AR"/>
           </a:p>
@@ -1242,7 +1242,7 @@
           <a:p>
             <a:fld id="{C8DD2A8F-3CEE-4FE9-8108-2C718AF80346}" type="datetimeFigureOut">
               <a:rPr lang="es-AR" smtClean="0"/>
-              <a:t>20/05/2014</a:t>
+              <a:t>29/05/2014</a:t>
             </a:fld>
             <a:endParaRPr lang="es-AR"/>
           </a:p>
@@ -1609,7 +1609,7 @@
           <a:p>
             <a:fld id="{C8DD2A8F-3CEE-4FE9-8108-2C718AF80346}" type="datetimeFigureOut">
               <a:rPr lang="es-AR" smtClean="0"/>
-              <a:t>20/05/2014</a:t>
+              <a:t>29/05/2014</a:t>
             </a:fld>
             <a:endParaRPr lang="es-AR"/>
           </a:p>
@@ -1727,7 +1727,7 @@
           <a:p>
             <a:fld id="{C8DD2A8F-3CEE-4FE9-8108-2C718AF80346}" type="datetimeFigureOut">
               <a:rPr lang="es-AR" smtClean="0"/>
-              <a:t>20/05/2014</a:t>
+              <a:t>29/05/2014</a:t>
             </a:fld>
             <a:endParaRPr lang="es-AR"/>
           </a:p>
@@ -1822,7 +1822,7 @@
           <a:p>
             <a:fld id="{C8DD2A8F-3CEE-4FE9-8108-2C718AF80346}" type="datetimeFigureOut">
               <a:rPr lang="es-AR" smtClean="0"/>
-              <a:t>20/05/2014</a:t>
+              <a:t>29/05/2014</a:t>
             </a:fld>
             <a:endParaRPr lang="es-AR"/>
           </a:p>
@@ -2099,7 +2099,7 @@
           <a:p>
             <a:fld id="{C8DD2A8F-3CEE-4FE9-8108-2C718AF80346}" type="datetimeFigureOut">
               <a:rPr lang="es-AR" smtClean="0"/>
-              <a:t>20/05/2014</a:t>
+              <a:t>29/05/2014</a:t>
             </a:fld>
             <a:endParaRPr lang="es-AR"/>
           </a:p>
@@ -2352,7 +2352,7 @@
           <a:p>
             <a:fld id="{C8DD2A8F-3CEE-4FE9-8108-2C718AF80346}" type="datetimeFigureOut">
               <a:rPr lang="es-AR" smtClean="0"/>
-              <a:t>20/05/2014</a:t>
+              <a:t>29/05/2014</a:t>
             </a:fld>
             <a:endParaRPr lang="es-AR"/>
           </a:p>
@@ -2565,7 +2565,7 @@
           <a:p>
             <a:fld id="{C8DD2A8F-3CEE-4FE9-8108-2C718AF80346}" type="datetimeFigureOut">
               <a:rPr lang="es-AR" smtClean="0"/>
-              <a:t>20/05/2014</a:t>
+              <a:t>29/05/2014</a:t>
             </a:fld>
             <a:endParaRPr lang="es-AR"/>
           </a:p>
@@ -4618,12 +4618,12 @@
           <a:lstStyle/>
           <a:p>
             <a:r>
-              <a:rPr lang="es-AR" dirty="0" smtClean="0"/>
+              <a:rPr lang="es-AR" smtClean="0"/>
               <a:t>(</a:t>
             </a:r>
             <a:r>
-              <a:rPr lang="es-AR" dirty="0" smtClean="0"/>
-              <a:t>1,N)</a:t>
+              <a:rPr lang="es-AR" smtClean="0"/>
+              <a:t>1,1)</a:t>
             </a:r>
             <a:endParaRPr lang="es-AR" dirty="0"/>
           </a:p>
@@ -5066,36 +5066,6 @@
           </a:p>
         </p:txBody>
       </p:sp>
-      <p:sp>
-        <p:nvSpPr>
-          <p:cNvPr id="71" name="CuadroTexto 70"/>
-          <p:cNvSpPr txBox="1"/>
-          <p:nvPr/>
-        </p:nvSpPr>
-        <p:spPr>
-          <a:xfrm>
-            <a:off x="10407738" y="6142190"/>
-            <a:ext cx="1352282" cy="383843"/>
-          </a:xfrm>
-          <a:prstGeom prst="rect">
-            <a:avLst/>
-          </a:prstGeom>
-          <a:noFill/>
-        </p:spPr>
-        <p:txBody>
-          <a:bodyPr wrap="square" rtlCol="0">
-            <a:spAutoFit/>
-          </a:bodyPr>
-          <a:lstStyle/>
-          <a:p>
-            <a:r>
-              <a:rPr lang="es-AR" dirty="0" smtClean="0"/>
-              <a:t>Descrip.</a:t>
-            </a:r>
-            <a:endParaRPr lang="es-AR" dirty="0"/>
-          </a:p>
-        </p:txBody>
-      </p:sp>
       <p:cxnSp>
         <p:nvCxnSpPr>
           <p:cNvPr id="75" name="Conector recto 74"/>
@@ -5108,36 +5078,6 @@
           <a:xfrm flipH="1">
             <a:off x="9509439" y="5207520"/>
             <a:ext cx="716387" cy="934670"/>
-          </a:xfrm>
-          <a:prstGeom prst="line">
-            <a:avLst/>
-          </a:prstGeom>
-        </p:spPr>
-        <p:style>
-          <a:lnRef idx="1">
-            <a:schemeClr val="accent1"/>
-          </a:lnRef>
-          <a:fillRef idx="0">
-            <a:schemeClr val="accent1"/>
-          </a:fillRef>
-          <a:effectRef idx="0">
-            <a:schemeClr val="accent1"/>
-          </a:effectRef>
-          <a:fontRef idx="minor">
-            <a:schemeClr val="tx1"/>
-          </a:fontRef>
-        </p:style>
-      </p:cxnSp>
-      <p:cxnSp>
-        <p:nvCxnSpPr>
-          <p:cNvPr id="79" name="Conector recto 78"/>
-          <p:cNvCxnSpPr/>
-          <p:nvPr/>
-        </p:nvCxnSpPr>
-        <p:spPr>
-          <a:xfrm>
-            <a:off x="10952671" y="5216481"/>
-            <a:ext cx="0" cy="881506"/>
           </a:xfrm>
           <a:prstGeom prst="line">
             <a:avLst/>
